--- a/Phase 4/Step 16 - Launch EC2 instance in AWS.pptx
+++ b/Phase 4/Step 16 - Launch EC2 instance in AWS.pptx
@@ -6,13 +6,24 @@
   </p:sldMasterIdLst>
   <p:sldIdLst>
     <p:sldId id="256" r:id="rId2"/>
-    <p:sldId id="257" r:id="rId3"/>
-    <p:sldId id="261" r:id="rId4"/>
-    <p:sldId id="262" r:id="rId5"/>
-    <p:sldId id="263" r:id="rId6"/>
-    <p:sldId id="264" r:id="rId7"/>
-    <p:sldId id="265" r:id="rId8"/>
-    <p:sldId id="266" r:id="rId9"/>
+    <p:sldId id="267" r:id="rId3"/>
+    <p:sldId id="268" r:id="rId4"/>
+    <p:sldId id="269" r:id="rId5"/>
+    <p:sldId id="270" r:id="rId6"/>
+    <p:sldId id="271" r:id="rId7"/>
+    <p:sldId id="272" r:id="rId8"/>
+    <p:sldId id="273" r:id="rId9"/>
+    <p:sldId id="274" r:id="rId10"/>
+    <p:sldId id="275" r:id="rId11"/>
+    <p:sldId id="276" r:id="rId12"/>
+    <p:sldId id="277" r:id="rId13"/>
+    <p:sldId id="278" r:id="rId14"/>
+    <p:sldId id="279" r:id="rId15"/>
+    <p:sldId id="280" r:id="rId16"/>
+    <p:sldId id="281" r:id="rId17"/>
+    <p:sldId id="282" r:id="rId18"/>
+    <p:sldId id="283" r:id="rId19"/>
+    <p:sldId id="284" r:id="rId20"/>
   </p:sldIdLst>
   <p:sldSz cx="12192000" cy="6858000"/>
   <p:notesSz cx="6858000" cy="9144000"/>
@@ -250,7 +261,7 @@
           <a:p>
             <a:fld id="{42386099-759E-47AF-B5BA-C91AC6CEC5A3}" type="datetimeFigureOut">
               <a:rPr lang="en-US" smtClean="0"/>
-              <a:t>1/5/2023</a:t>
+              <a:t>2/28/2023</a:t>
             </a:fld>
             <a:endParaRPr lang="en-US"/>
           </a:p>
@@ -420,7 +431,7 @@
           <a:p>
             <a:fld id="{42386099-759E-47AF-B5BA-C91AC6CEC5A3}" type="datetimeFigureOut">
               <a:rPr lang="en-US" smtClean="0"/>
-              <a:t>1/5/2023</a:t>
+              <a:t>2/28/2023</a:t>
             </a:fld>
             <a:endParaRPr lang="en-US"/>
           </a:p>
@@ -600,7 +611,7 @@
           <a:p>
             <a:fld id="{42386099-759E-47AF-B5BA-C91AC6CEC5A3}" type="datetimeFigureOut">
               <a:rPr lang="en-US" smtClean="0"/>
-              <a:t>1/5/2023</a:t>
+              <a:t>2/28/2023</a:t>
             </a:fld>
             <a:endParaRPr lang="en-US"/>
           </a:p>
@@ -770,7 +781,7 @@
           <a:p>
             <a:fld id="{42386099-759E-47AF-B5BA-C91AC6CEC5A3}" type="datetimeFigureOut">
               <a:rPr lang="en-US" smtClean="0"/>
-              <a:t>1/5/2023</a:t>
+              <a:t>2/28/2023</a:t>
             </a:fld>
             <a:endParaRPr lang="en-US"/>
           </a:p>
@@ -1016,7 +1027,7 @@
           <a:p>
             <a:fld id="{42386099-759E-47AF-B5BA-C91AC6CEC5A3}" type="datetimeFigureOut">
               <a:rPr lang="en-US" smtClean="0"/>
-              <a:t>1/5/2023</a:t>
+              <a:t>2/28/2023</a:t>
             </a:fld>
             <a:endParaRPr lang="en-US"/>
           </a:p>
@@ -1248,7 +1259,7 @@
           <a:p>
             <a:fld id="{42386099-759E-47AF-B5BA-C91AC6CEC5A3}" type="datetimeFigureOut">
               <a:rPr lang="en-US" smtClean="0"/>
-              <a:t>1/5/2023</a:t>
+              <a:t>2/28/2023</a:t>
             </a:fld>
             <a:endParaRPr lang="en-US"/>
           </a:p>
@@ -1615,7 +1626,7 @@
           <a:p>
             <a:fld id="{42386099-759E-47AF-B5BA-C91AC6CEC5A3}" type="datetimeFigureOut">
               <a:rPr lang="en-US" smtClean="0"/>
-              <a:t>1/5/2023</a:t>
+              <a:t>2/28/2023</a:t>
             </a:fld>
             <a:endParaRPr lang="en-US"/>
           </a:p>
@@ -1733,7 +1744,7 @@
           <a:p>
             <a:fld id="{42386099-759E-47AF-B5BA-C91AC6CEC5A3}" type="datetimeFigureOut">
               <a:rPr lang="en-US" smtClean="0"/>
-              <a:t>1/5/2023</a:t>
+              <a:t>2/28/2023</a:t>
             </a:fld>
             <a:endParaRPr lang="en-US"/>
           </a:p>
@@ -1828,7 +1839,7 @@
           <a:p>
             <a:fld id="{42386099-759E-47AF-B5BA-C91AC6CEC5A3}" type="datetimeFigureOut">
               <a:rPr lang="en-US" smtClean="0"/>
-              <a:t>1/5/2023</a:t>
+              <a:t>2/28/2023</a:t>
             </a:fld>
             <a:endParaRPr lang="en-US"/>
           </a:p>
@@ -2105,7 +2116,7 @@
           <a:p>
             <a:fld id="{42386099-759E-47AF-B5BA-C91AC6CEC5A3}" type="datetimeFigureOut">
               <a:rPr lang="en-US" smtClean="0"/>
-              <a:t>1/5/2023</a:t>
+              <a:t>2/28/2023</a:t>
             </a:fld>
             <a:endParaRPr lang="en-US"/>
           </a:p>
@@ -2358,7 +2369,7 @@
           <a:p>
             <a:fld id="{42386099-759E-47AF-B5BA-C91AC6CEC5A3}" type="datetimeFigureOut">
               <a:rPr lang="en-US" smtClean="0"/>
-              <a:t>1/5/2023</a:t>
+              <a:t>2/28/2023</a:t>
             </a:fld>
             <a:endParaRPr lang="en-US"/>
           </a:p>
@@ -2571,7 +2582,7 @@
           <a:p>
             <a:fld id="{42386099-759E-47AF-B5BA-C91AC6CEC5A3}" type="datetimeFigureOut">
               <a:rPr lang="en-US" smtClean="0"/>
-              <a:t>1/5/2023</a:t>
+              <a:t>2/28/2023</a:t>
             </a:fld>
             <a:endParaRPr lang="en-US"/>
           </a:p>
@@ -2993,19 +3004,7 @@
           <a:p>
             <a:r>
               <a:rPr lang="en-US" dirty="0" smtClean="0"/>
-              <a:t>Node JS</a:t>
-            </a:r>
-            <a:r>
-              <a:rPr lang="en-US" dirty="0" smtClean="0"/>
-              <a:t> </a:t>
-            </a:r>
-            <a:r>
-              <a:rPr lang="en-US" dirty="0" smtClean="0"/>
-              <a:t>– Step </a:t>
-            </a:r>
-            <a:r>
-              <a:rPr lang="en-US" dirty="0" smtClean="0"/>
-              <a:t>7</a:t>
+              <a:t>Launch EC2 instance in AWS </a:t>
             </a:r>
             <a:endParaRPr lang="en-US" dirty="0"/>
           </a:p>
@@ -3034,6 +3033,938 @@
     <p:extLst>
       <p:ext uri="{BB962C8B-B14F-4D97-AF65-F5344CB8AC3E}">
         <p14:creationId xmlns:p14="http://schemas.microsoft.com/office/powerpoint/2010/main" val="2987650646"/>
+      </p:ext>
+    </p:extLst>
+  </p:cSld>
+  <p:clrMapOvr>
+    <a:masterClrMapping/>
+  </p:clrMapOvr>
+</p:sld>
+</file>
+
+<file path=ppt/slides/slide10.xml><?xml version="1.0" encoding="utf-8"?>
+<p:sld xmlns:a="http://schemas.openxmlformats.org/drawingml/2006/main" xmlns:r="http://schemas.openxmlformats.org/officeDocument/2006/relationships" xmlns:p="http://schemas.openxmlformats.org/presentationml/2006/main">
+  <p:cSld>
+    <p:spTree>
+      <p:nvGrpSpPr>
+        <p:cNvPr id="1" name=""/>
+        <p:cNvGrpSpPr/>
+        <p:nvPr/>
+      </p:nvGrpSpPr>
+      <p:grpSpPr>
+        <a:xfrm>
+          <a:off x="0" y="0"/>
+          <a:ext cx="0" cy="0"/>
+          <a:chOff x="0" y="0"/>
+          <a:chExt cx="0" cy="0"/>
+        </a:xfrm>
+      </p:grpSpPr>
+      <p:sp>
+        <p:nvSpPr>
+          <p:cNvPr id="2" name="Title 1"/>
+          <p:cNvSpPr>
+            <a:spLocks noGrp="1"/>
+          </p:cNvSpPr>
+          <p:nvPr>
+            <p:ph type="title"/>
+          </p:nvPr>
+        </p:nvSpPr>
+        <p:spPr/>
+        <p:txBody>
+          <a:bodyPr/>
+          <a:lstStyle/>
+          <a:p>
+            <a:r>
+              <a:rPr lang="en-US" dirty="0" smtClean="0"/>
+              <a:t>Create the key  (please remember path of the file which help to connect to instance )</a:t>
+            </a:r>
+            <a:endParaRPr lang="en-US" dirty="0"/>
+          </a:p>
+        </p:txBody>
+      </p:sp>
+      <p:sp>
+        <p:nvSpPr>
+          <p:cNvPr id="3" name="Content Placeholder 2"/>
+          <p:cNvSpPr>
+            <a:spLocks noGrp="1"/>
+          </p:cNvSpPr>
+          <p:nvPr>
+            <p:ph idx="1"/>
+          </p:nvPr>
+        </p:nvSpPr>
+        <p:spPr>
+          <a:xfrm>
+            <a:off x="838200" y="1825625"/>
+            <a:ext cx="4777509" cy="4351338"/>
+          </a:xfrm>
+        </p:spPr>
+        <p:txBody>
+          <a:bodyPr>
+            <a:normAutofit lnSpcReduction="10000"/>
+          </a:bodyPr>
+          <a:lstStyle/>
+          <a:p>
+            <a:r>
+              <a:rPr lang="en-US" dirty="0" err="1" smtClean="0"/>
+              <a:t>Keyname</a:t>
+            </a:r>
+            <a:r>
+              <a:rPr lang="en-US" dirty="0" smtClean="0"/>
+              <a:t> is </a:t>
+            </a:r>
+            <a:r>
+              <a:rPr lang="en-US" b="1" dirty="0" smtClean="0"/>
+              <a:t>phase2-keys</a:t>
+            </a:r>
+          </a:p>
+          <a:p>
+            <a:pPr marL="0" indent="0">
+              <a:buNone/>
+            </a:pPr>
+            <a:r>
+              <a:rPr lang="en-US" dirty="0" smtClean="0"/>
+              <a:t>Private key file format </a:t>
+            </a:r>
+          </a:p>
+          <a:p>
+            <a:pPr marL="514350" indent="-514350">
+              <a:buAutoNum type="arabicPeriod"/>
+            </a:pPr>
+            <a:r>
+              <a:rPr lang="en-US" dirty="0" smtClean="0"/>
+              <a:t>.</a:t>
+            </a:r>
+            <a:r>
+              <a:rPr lang="en-US" dirty="0" err="1" smtClean="0"/>
+              <a:t>pem</a:t>
+            </a:r>
+            <a:endParaRPr lang="en-US" dirty="0" smtClean="0"/>
+          </a:p>
+          <a:p>
+            <a:pPr marL="457200" lvl="1" indent="0">
+              <a:buNone/>
+            </a:pPr>
+            <a:r>
+              <a:rPr lang="en-US" dirty="0" smtClean="0"/>
+              <a:t>If client is SSH client you can create </a:t>
+            </a:r>
+          </a:p>
+          <a:p>
+            <a:pPr marL="457200" lvl="1" indent="0">
+              <a:buNone/>
+            </a:pPr>
+            <a:r>
+              <a:rPr lang="en-US" dirty="0" smtClean="0"/>
+              <a:t>In MAC or </a:t>
+            </a:r>
+            <a:r>
+              <a:rPr lang="en-US" dirty="0" err="1" smtClean="0"/>
+              <a:t>unix</a:t>
+            </a:r>
+            <a:r>
+              <a:rPr lang="en-US" dirty="0" smtClean="0"/>
+              <a:t> we can use normal terminal as SSH client but in window we have to use </a:t>
+            </a:r>
+            <a:r>
+              <a:rPr lang="en-US" dirty="0" err="1" smtClean="0"/>
+              <a:t>gitbash</a:t>
+            </a:r>
+            <a:r>
+              <a:rPr lang="en-US" dirty="0" smtClean="0"/>
+              <a:t> which support SSH client </a:t>
+            </a:r>
+          </a:p>
+          <a:p>
+            <a:pPr marL="514350" indent="-514350">
+              <a:buAutoNum type="arabicPeriod"/>
+            </a:pPr>
+            <a:r>
+              <a:rPr lang="en-US" dirty="0" smtClean="0"/>
+              <a:t>.</a:t>
+            </a:r>
+            <a:r>
+              <a:rPr lang="en-US" dirty="0" err="1" smtClean="0"/>
+              <a:t>ppk</a:t>
+            </a:r>
+            <a:r>
+              <a:rPr lang="en-US" dirty="0" smtClean="0"/>
+              <a:t> : this for window with putty tool. </a:t>
+            </a:r>
+          </a:p>
+        </p:txBody>
+      </p:sp>
+      <p:pic>
+        <p:nvPicPr>
+          <p:cNvPr id="6" name="Picture 5"/>
+          <p:cNvPicPr>
+            <a:picLocks noChangeAspect="1"/>
+          </p:cNvPicPr>
+          <p:nvPr/>
+        </p:nvPicPr>
+        <p:blipFill>
+          <a:blip r:embed="rId2"/>
+          <a:stretch>
+            <a:fillRect/>
+          </a:stretch>
+        </p:blipFill>
+        <p:spPr>
+          <a:xfrm>
+            <a:off x="6180453" y="1690688"/>
+            <a:ext cx="5409612" cy="5268552"/>
+          </a:xfrm>
+          <a:prstGeom prst="rect">
+            <a:avLst/>
+          </a:prstGeom>
+        </p:spPr>
+      </p:pic>
+    </p:spTree>
+    <p:extLst>
+      <p:ext uri="{BB962C8B-B14F-4D97-AF65-F5344CB8AC3E}">
+        <p14:creationId xmlns:p14="http://schemas.microsoft.com/office/powerpoint/2010/main" val="3267685823"/>
+      </p:ext>
+    </p:extLst>
+  </p:cSld>
+  <p:clrMapOvr>
+    <a:masterClrMapping/>
+  </p:clrMapOvr>
+</p:sld>
+</file>
+
+<file path=ppt/slides/slide11.xml><?xml version="1.0" encoding="utf-8"?>
+<p:sld xmlns:a="http://schemas.openxmlformats.org/drawingml/2006/main" xmlns:r="http://schemas.openxmlformats.org/officeDocument/2006/relationships" xmlns:p="http://schemas.openxmlformats.org/presentationml/2006/main">
+  <p:cSld>
+    <p:spTree>
+      <p:nvGrpSpPr>
+        <p:cNvPr id="1" name=""/>
+        <p:cNvGrpSpPr/>
+        <p:nvPr/>
+      </p:nvGrpSpPr>
+      <p:grpSpPr>
+        <a:xfrm>
+          <a:off x="0" y="0"/>
+          <a:ext cx="0" cy="0"/>
+          <a:chOff x="0" y="0"/>
+          <a:chExt cx="0" cy="0"/>
+        </a:xfrm>
+      </p:grpSpPr>
+      <p:pic>
+        <p:nvPicPr>
+          <p:cNvPr id="3" name="Picture 2"/>
+          <p:cNvPicPr>
+            <a:picLocks noChangeAspect="1"/>
+          </p:cNvPicPr>
+          <p:nvPr/>
+        </p:nvPicPr>
+        <p:blipFill>
+          <a:blip r:embed="rId2"/>
+          <a:stretch>
+            <a:fillRect/>
+          </a:stretch>
+        </p:blipFill>
+        <p:spPr>
+          <a:xfrm>
+            <a:off x="2449514" y="75909"/>
+            <a:ext cx="7292972" cy="6706181"/>
+          </a:xfrm>
+          <a:prstGeom prst="rect">
+            <a:avLst/>
+          </a:prstGeom>
+        </p:spPr>
+      </p:pic>
+    </p:spTree>
+    <p:extLst>
+      <p:ext uri="{BB962C8B-B14F-4D97-AF65-F5344CB8AC3E}">
+        <p14:creationId xmlns:p14="http://schemas.microsoft.com/office/powerpoint/2010/main" val="1435652791"/>
+      </p:ext>
+    </p:extLst>
+  </p:cSld>
+  <p:clrMapOvr>
+    <a:masterClrMapping/>
+  </p:clrMapOvr>
+</p:sld>
+</file>
+
+<file path=ppt/slides/slide12.xml><?xml version="1.0" encoding="utf-8"?>
+<p:sld xmlns:a="http://schemas.openxmlformats.org/drawingml/2006/main" xmlns:r="http://schemas.openxmlformats.org/officeDocument/2006/relationships" xmlns:p="http://schemas.openxmlformats.org/presentationml/2006/main">
+  <p:cSld>
+    <p:spTree>
+      <p:nvGrpSpPr>
+        <p:cNvPr id="1" name=""/>
+        <p:cNvGrpSpPr/>
+        <p:nvPr/>
+      </p:nvGrpSpPr>
+      <p:grpSpPr>
+        <a:xfrm>
+          <a:off x="0" y="0"/>
+          <a:ext cx="0" cy="0"/>
+          <a:chOff x="0" y="0"/>
+          <a:chExt cx="0" cy="0"/>
+        </a:xfrm>
+      </p:grpSpPr>
+      <p:sp>
+        <p:nvSpPr>
+          <p:cNvPr id="2" name="Title 1"/>
+          <p:cNvSpPr>
+            <a:spLocks noGrp="1"/>
+          </p:cNvSpPr>
+          <p:nvPr>
+            <p:ph type="title"/>
+          </p:nvPr>
+        </p:nvSpPr>
+        <p:spPr/>
+        <p:txBody>
+          <a:bodyPr/>
+          <a:lstStyle/>
+          <a:p>
+            <a:r>
+              <a:rPr lang="en-US" dirty="0" smtClean="0"/>
+              <a:t>Other option are default don’t do any changes </a:t>
+            </a:r>
+            <a:endParaRPr lang="en-US" dirty="0"/>
+          </a:p>
+        </p:txBody>
+      </p:sp>
+      <p:pic>
+        <p:nvPicPr>
+          <p:cNvPr id="4" name="Picture 3"/>
+          <p:cNvPicPr>
+            <a:picLocks noChangeAspect="1"/>
+          </p:cNvPicPr>
+          <p:nvPr/>
+        </p:nvPicPr>
+        <p:blipFill>
+          <a:blip r:embed="rId2"/>
+          <a:stretch>
+            <a:fillRect/>
+          </a:stretch>
+        </p:blipFill>
+        <p:spPr>
+          <a:xfrm>
+            <a:off x="1293091" y="2439165"/>
+            <a:ext cx="7803397" cy="4065929"/>
+          </a:xfrm>
+          <a:prstGeom prst="rect">
+            <a:avLst/>
+          </a:prstGeom>
+        </p:spPr>
+      </p:pic>
+      <p:sp>
+        <p:nvSpPr>
+          <p:cNvPr id="5" name="Content Placeholder 4"/>
+          <p:cNvSpPr>
+            <a:spLocks noGrp="1"/>
+          </p:cNvSpPr>
+          <p:nvPr>
+            <p:ph idx="1"/>
+          </p:nvPr>
+        </p:nvSpPr>
+        <p:spPr/>
+        <p:txBody>
+          <a:bodyPr/>
+          <a:lstStyle/>
+          <a:p>
+            <a:endParaRPr lang="en-US"/>
+          </a:p>
+        </p:txBody>
+      </p:sp>
+    </p:spTree>
+    <p:extLst>
+      <p:ext uri="{BB962C8B-B14F-4D97-AF65-F5344CB8AC3E}">
+        <p14:creationId xmlns:p14="http://schemas.microsoft.com/office/powerpoint/2010/main" val="704240843"/>
+      </p:ext>
+    </p:extLst>
+  </p:cSld>
+  <p:clrMapOvr>
+    <a:masterClrMapping/>
+  </p:clrMapOvr>
+</p:sld>
+</file>
+
+<file path=ppt/slides/slide13.xml><?xml version="1.0" encoding="utf-8"?>
+<p:sld xmlns:a="http://schemas.openxmlformats.org/drawingml/2006/main" xmlns:r="http://schemas.openxmlformats.org/officeDocument/2006/relationships" xmlns:p="http://schemas.openxmlformats.org/presentationml/2006/main">
+  <p:cSld>
+    <p:spTree>
+      <p:nvGrpSpPr>
+        <p:cNvPr id="1" name=""/>
+        <p:cNvGrpSpPr/>
+        <p:nvPr/>
+      </p:nvGrpSpPr>
+      <p:grpSpPr>
+        <a:xfrm>
+          <a:off x="0" y="0"/>
+          <a:ext cx="0" cy="0"/>
+          <a:chOff x="0" y="0"/>
+          <a:chExt cx="0" cy="0"/>
+        </a:xfrm>
+      </p:grpSpPr>
+      <p:pic>
+        <p:nvPicPr>
+          <p:cNvPr id="2" name="Picture 1"/>
+          <p:cNvPicPr>
+            <a:picLocks noChangeAspect="1"/>
+          </p:cNvPicPr>
+          <p:nvPr/>
+        </p:nvPicPr>
+        <p:blipFill>
+          <a:blip r:embed="rId2"/>
+          <a:stretch>
+            <a:fillRect/>
+          </a:stretch>
+        </p:blipFill>
+        <p:spPr>
+          <a:xfrm>
+            <a:off x="0" y="571615"/>
+            <a:ext cx="12192000" cy="5714769"/>
+          </a:xfrm>
+          <a:prstGeom prst="rect">
+            <a:avLst/>
+          </a:prstGeom>
+        </p:spPr>
+      </p:pic>
+    </p:spTree>
+    <p:extLst>
+      <p:ext uri="{BB962C8B-B14F-4D97-AF65-F5344CB8AC3E}">
+        <p14:creationId xmlns:p14="http://schemas.microsoft.com/office/powerpoint/2010/main" val="2720991715"/>
+      </p:ext>
+    </p:extLst>
+  </p:cSld>
+  <p:clrMapOvr>
+    <a:masterClrMapping/>
+  </p:clrMapOvr>
+</p:sld>
+</file>
+
+<file path=ppt/slides/slide14.xml><?xml version="1.0" encoding="utf-8"?>
+<p:sld xmlns:a="http://schemas.openxmlformats.org/drawingml/2006/main" xmlns:r="http://schemas.openxmlformats.org/officeDocument/2006/relationships" xmlns:p="http://schemas.openxmlformats.org/presentationml/2006/main">
+  <p:cSld>
+    <p:spTree>
+      <p:nvGrpSpPr>
+        <p:cNvPr id="1" name=""/>
+        <p:cNvGrpSpPr/>
+        <p:nvPr/>
+      </p:nvGrpSpPr>
+      <p:grpSpPr>
+        <a:xfrm>
+          <a:off x="0" y="0"/>
+          <a:ext cx="0" cy="0"/>
+          <a:chOff x="0" y="0"/>
+          <a:chExt cx="0" cy="0"/>
+        </a:xfrm>
+      </p:grpSpPr>
+      <p:sp>
+        <p:nvSpPr>
+          <p:cNvPr id="2" name="Title 1"/>
+          <p:cNvSpPr>
+            <a:spLocks noGrp="1"/>
+          </p:cNvSpPr>
+          <p:nvPr>
+            <p:ph type="title"/>
+          </p:nvPr>
+        </p:nvSpPr>
+        <p:spPr/>
+        <p:txBody>
+          <a:bodyPr/>
+          <a:lstStyle/>
+          <a:p>
+            <a:r>
+              <a:rPr lang="en-US" dirty="0" smtClean="0"/>
+              <a:t>Wait for few minutes to instance to run </a:t>
+            </a:r>
+            <a:endParaRPr lang="en-US" dirty="0"/>
+          </a:p>
+        </p:txBody>
+      </p:sp>
+      <p:pic>
+        <p:nvPicPr>
+          <p:cNvPr id="5" name="Content Placeholder 4"/>
+          <p:cNvPicPr>
+            <a:picLocks noGrp="1" noChangeAspect="1"/>
+          </p:cNvPicPr>
+          <p:nvPr>
+            <p:ph idx="1"/>
+          </p:nvPr>
+        </p:nvPicPr>
+        <p:blipFill>
+          <a:blip r:embed="rId2"/>
+          <a:stretch>
+            <a:fillRect/>
+          </a:stretch>
+        </p:blipFill>
+        <p:spPr>
+          <a:xfrm>
+            <a:off x="838200" y="3088165"/>
+            <a:ext cx="10515600" cy="1826257"/>
+          </a:xfrm>
+          <a:prstGeom prst="rect">
+            <a:avLst/>
+          </a:prstGeom>
+        </p:spPr>
+      </p:pic>
+    </p:spTree>
+    <p:extLst>
+      <p:ext uri="{BB962C8B-B14F-4D97-AF65-F5344CB8AC3E}">
+        <p14:creationId xmlns:p14="http://schemas.microsoft.com/office/powerpoint/2010/main" val="48185687"/>
+      </p:ext>
+    </p:extLst>
+  </p:cSld>
+  <p:clrMapOvr>
+    <a:masterClrMapping/>
+  </p:clrMapOvr>
+</p:sld>
+</file>
+
+<file path=ppt/slides/slide15.xml><?xml version="1.0" encoding="utf-8"?>
+<p:sld xmlns:a="http://schemas.openxmlformats.org/drawingml/2006/main" xmlns:r="http://schemas.openxmlformats.org/officeDocument/2006/relationships" xmlns:p="http://schemas.openxmlformats.org/presentationml/2006/main">
+  <p:cSld>
+    <p:spTree>
+      <p:nvGrpSpPr>
+        <p:cNvPr id="1" name=""/>
+        <p:cNvGrpSpPr/>
+        <p:nvPr/>
+      </p:nvGrpSpPr>
+      <p:grpSpPr>
+        <a:xfrm>
+          <a:off x="0" y="0"/>
+          <a:ext cx="0" cy="0"/>
+          <a:chOff x="0" y="0"/>
+          <a:chExt cx="0" cy="0"/>
+        </a:xfrm>
+      </p:grpSpPr>
+      <p:sp>
+        <p:nvSpPr>
+          <p:cNvPr id="2" name="Title 1"/>
+          <p:cNvSpPr>
+            <a:spLocks noGrp="1"/>
+          </p:cNvSpPr>
+          <p:nvPr>
+            <p:ph type="title"/>
+          </p:nvPr>
+        </p:nvSpPr>
+        <p:spPr/>
+        <p:txBody>
+          <a:bodyPr/>
+          <a:lstStyle/>
+          <a:p>
+            <a:r>
+              <a:rPr lang="en-US" dirty="0" smtClean="0"/>
+              <a:t>Once instance up </a:t>
+            </a:r>
+            <a:endParaRPr lang="en-US" dirty="0"/>
+          </a:p>
+        </p:txBody>
+      </p:sp>
+      <p:pic>
+        <p:nvPicPr>
+          <p:cNvPr id="4" name="Content Placeholder 3"/>
+          <p:cNvPicPr>
+            <a:picLocks noGrp="1" noChangeAspect="1"/>
+          </p:cNvPicPr>
+          <p:nvPr>
+            <p:ph idx="1"/>
+          </p:nvPr>
+        </p:nvPicPr>
+        <p:blipFill>
+          <a:blip r:embed="rId2"/>
+          <a:stretch>
+            <a:fillRect/>
+          </a:stretch>
+        </p:blipFill>
+        <p:spPr>
+          <a:xfrm>
+            <a:off x="838200" y="1784273"/>
+            <a:ext cx="10515600" cy="2032588"/>
+          </a:xfrm>
+          <a:prstGeom prst="rect">
+            <a:avLst/>
+          </a:prstGeom>
+        </p:spPr>
+      </p:pic>
+    </p:spTree>
+    <p:extLst>
+      <p:ext uri="{BB962C8B-B14F-4D97-AF65-F5344CB8AC3E}">
+        <p14:creationId xmlns:p14="http://schemas.microsoft.com/office/powerpoint/2010/main" val="253777686"/>
+      </p:ext>
+    </p:extLst>
+  </p:cSld>
+  <p:clrMapOvr>
+    <a:masterClrMapping/>
+  </p:clrMapOvr>
+</p:sld>
+</file>
+
+<file path=ppt/slides/slide16.xml><?xml version="1.0" encoding="utf-8"?>
+<p:sld xmlns:a="http://schemas.openxmlformats.org/drawingml/2006/main" xmlns:r="http://schemas.openxmlformats.org/officeDocument/2006/relationships" xmlns:p="http://schemas.openxmlformats.org/presentationml/2006/main">
+  <p:cSld>
+    <p:spTree>
+      <p:nvGrpSpPr>
+        <p:cNvPr id="1" name=""/>
+        <p:cNvGrpSpPr/>
+        <p:nvPr/>
+      </p:nvGrpSpPr>
+      <p:grpSpPr>
+        <a:xfrm>
+          <a:off x="0" y="0"/>
+          <a:ext cx="0" cy="0"/>
+          <a:chOff x="0" y="0"/>
+          <a:chExt cx="0" cy="0"/>
+        </a:xfrm>
+      </p:grpSpPr>
+      <p:sp>
+        <p:nvSpPr>
+          <p:cNvPr id="2" name="Title 1"/>
+          <p:cNvSpPr>
+            <a:spLocks noGrp="1"/>
+          </p:cNvSpPr>
+          <p:nvPr>
+            <p:ph type="title"/>
+          </p:nvPr>
+        </p:nvSpPr>
+        <p:spPr/>
+        <p:txBody>
+          <a:bodyPr/>
+          <a:lstStyle/>
+          <a:p>
+            <a:r>
+              <a:rPr lang="en-US" dirty="0" smtClean="0"/>
+              <a:t>Now click on check box of instance and click on connect </a:t>
+            </a:r>
+            <a:endParaRPr lang="en-US" dirty="0"/>
+          </a:p>
+        </p:txBody>
+      </p:sp>
+      <p:pic>
+        <p:nvPicPr>
+          <p:cNvPr id="5" name="Content Placeholder 4"/>
+          <p:cNvPicPr>
+            <a:picLocks noGrp="1" noChangeAspect="1"/>
+          </p:cNvPicPr>
+          <p:nvPr>
+            <p:ph idx="1"/>
+          </p:nvPr>
+        </p:nvPicPr>
+        <p:blipFill>
+          <a:blip r:embed="rId2"/>
+          <a:stretch>
+            <a:fillRect/>
+          </a:stretch>
+        </p:blipFill>
+        <p:spPr>
+          <a:xfrm>
+            <a:off x="838200" y="2937484"/>
+            <a:ext cx="10515600" cy="2127619"/>
+          </a:xfrm>
+          <a:prstGeom prst="rect">
+            <a:avLst/>
+          </a:prstGeom>
+        </p:spPr>
+      </p:pic>
+    </p:spTree>
+    <p:extLst>
+      <p:ext uri="{BB962C8B-B14F-4D97-AF65-F5344CB8AC3E}">
+        <p14:creationId xmlns:p14="http://schemas.microsoft.com/office/powerpoint/2010/main" val="1090811486"/>
+      </p:ext>
+    </p:extLst>
+  </p:cSld>
+  <p:clrMapOvr>
+    <a:masterClrMapping/>
+  </p:clrMapOvr>
+</p:sld>
+</file>
+
+<file path=ppt/slides/slide17.xml><?xml version="1.0" encoding="utf-8"?>
+<p:sld xmlns:a="http://schemas.openxmlformats.org/drawingml/2006/main" xmlns:r="http://schemas.openxmlformats.org/officeDocument/2006/relationships" xmlns:p="http://schemas.openxmlformats.org/presentationml/2006/main">
+  <p:cSld>
+    <p:spTree>
+      <p:nvGrpSpPr>
+        <p:cNvPr id="1" name=""/>
+        <p:cNvGrpSpPr/>
+        <p:nvPr/>
+      </p:nvGrpSpPr>
+      <p:grpSpPr>
+        <a:xfrm>
+          <a:off x="0" y="0"/>
+          <a:ext cx="0" cy="0"/>
+          <a:chOff x="0" y="0"/>
+          <a:chExt cx="0" cy="0"/>
+        </a:xfrm>
+      </p:grpSpPr>
+      <p:sp>
+        <p:nvSpPr>
+          <p:cNvPr id="2" name="Title 1"/>
+          <p:cNvSpPr>
+            <a:spLocks noGrp="1"/>
+          </p:cNvSpPr>
+          <p:nvPr>
+            <p:ph type="title"/>
+          </p:nvPr>
+        </p:nvSpPr>
+        <p:spPr>
+          <a:xfrm>
+            <a:off x="838200" y="365125"/>
+            <a:ext cx="10515600" cy="1888548"/>
+          </a:xfrm>
+        </p:spPr>
+        <p:txBody>
+          <a:bodyPr>
+            <a:normAutofit fontScale="90000"/>
+          </a:bodyPr>
+          <a:lstStyle/>
+          <a:p>
+            <a:r>
+              <a:rPr lang="en-US" dirty="0" smtClean="0"/>
+              <a:t>Now you have to copy and example code content which help to connect running instance through </a:t>
+            </a:r>
+            <a:r>
+              <a:rPr lang="en-US" dirty="0" err="1" smtClean="0"/>
+              <a:t>ssh</a:t>
+            </a:r>
+            <a:r>
+              <a:rPr lang="en-US" dirty="0" smtClean="0"/>
+              <a:t> client </a:t>
+            </a:r>
+            <a:endParaRPr lang="en-US" dirty="0"/>
+          </a:p>
+        </p:txBody>
+      </p:sp>
+      <p:pic>
+        <p:nvPicPr>
+          <p:cNvPr id="5" name="Content Placeholder 4"/>
+          <p:cNvPicPr>
+            <a:picLocks noGrp="1" noChangeAspect="1"/>
+          </p:cNvPicPr>
+          <p:nvPr>
+            <p:ph idx="1"/>
+          </p:nvPr>
+        </p:nvPicPr>
+        <p:blipFill>
+          <a:blip r:embed="rId2"/>
+          <a:stretch>
+            <a:fillRect/>
+          </a:stretch>
+        </p:blipFill>
+        <p:spPr>
+          <a:xfrm>
+            <a:off x="3020854" y="2254250"/>
+            <a:ext cx="6150292" cy="3922713"/>
+          </a:xfrm>
+          <a:prstGeom prst="rect">
+            <a:avLst/>
+          </a:prstGeom>
+        </p:spPr>
+      </p:pic>
+    </p:spTree>
+    <p:extLst>
+      <p:ext uri="{BB962C8B-B14F-4D97-AF65-F5344CB8AC3E}">
+        <p14:creationId xmlns:p14="http://schemas.microsoft.com/office/powerpoint/2010/main" val="2050038625"/>
+      </p:ext>
+    </p:extLst>
+  </p:cSld>
+  <p:clrMapOvr>
+    <a:masterClrMapping/>
+  </p:clrMapOvr>
+</p:sld>
+</file>
+
+<file path=ppt/slides/slide18.xml><?xml version="1.0" encoding="utf-8"?>
+<p:sld xmlns:a="http://schemas.openxmlformats.org/drawingml/2006/main" xmlns:r="http://schemas.openxmlformats.org/officeDocument/2006/relationships" xmlns:p="http://schemas.openxmlformats.org/presentationml/2006/main">
+  <p:cSld>
+    <p:spTree>
+      <p:nvGrpSpPr>
+        <p:cNvPr id="1" name=""/>
+        <p:cNvGrpSpPr/>
+        <p:nvPr/>
+      </p:nvGrpSpPr>
+      <p:grpSpPr>
+        <a:xfrm>
+          <a:off x="0" y="0"/>
+          <a:ext cx="0" cy="0"/>
+          <a:chOff x="0" y="0"/>
+          <a:chExt cx="0" cy="0"/>
+        </a:xfrm>
+      </p:grpSpPr>
+      <p:sp>
+        <p:nvSpPr>
+          <p:cNvPr id="2" name="Title 1"/>
+          <p:cNvSpPr>
+            <a:spLocks noGrp="1"/>
+          </p:cNvSpPr>
+          <p:nvPr>
+            <p:ph type="title"/>
+          </p:nvPr>
+        </p:nvSpPr>
+        <p:spPr/>
+        <p:txBody>
+          <a:bodyPr/>
+          <a:lstStyle/>
+          <a:p>
+            <a:r>
+              <a:rPr lang="en-US" dirty="0" smtClean="0"/>
+              <a:t>Steps to connect instance </a:t>
+            </a:r>
+            <a:endParaRPr lang="en-US" dirty="0"/>
+          </a:p>
+        </p:txBody>
+      </p:sp>
+      <p:sp>
+        <p:nvSpPr>
+          <p:cNvPr id="3" name="Content Placeholder 2"/>
+          <p:cNvSpPr>
+            <a:spLocks noGrp="1"/>
+          </p:cNvSpPr>
+          <p:nvPr>
+            <p:ph idx="1"/>
+          </p:nvPr>
+        </p:nvSpPr>
+        <p:spPr/>
+        <p:txBody>
+          <a:bodyPr/>
+          <a:lstStyle/>
+          <a:p>
+            <a:r>
+              <a:rPr lang="en-US" dirty="0" smtClean="0"/>
+              <a:t>If you are connecting from window please using </a:t>
+            </a:r>
+            <a:r>
+              <a:rPr lang="en-US" dirty="0" err="1" smtClean="0"/>
+              <a:t>gitbash</a:t>
+            </a:r>
+            <a:r>
+              <a:rPr lang="en-US" dirty="0" smtClean="0"/>
+              <a:t>. Open </a:t>
+            </a:r>
+            <a:r>
+              <a:rPr lang="en-US" dirty="0" err="1" smtClean="0"/>
+              <a:t>gitbash</a:t>
+            </a:r>
+            <a:r>
+              <a:rPr lang="en-US" dirty="0" smtClean="0"/>
+              <a:t> in the location where .</a:t>
+            </a:r>
+            <a:r>
+              <a:rPr lang="en-US" dirty="0" err="1" smtClean="0"/>
+              <a:t>pem</a:t>
+            </a:r>
+            <a:r>
+              <a:rPr lang="en-US" dirty="0" smtClean="0"/>
+              <a:t> file present </a:t>
+            </a:r>
+          </a:p>
+          <a:p>
+            <a:r>
+              <a:rPr lang="en-US" dirty="0" smtClean="0"/>
+              <a:t>If you are connection from </a:t>
+            </a:r>
+            <a:r>
+              <a:rPr lang="en-US" dirty="0" err="1" smtClean="0"/>
+              <a:t>unix</a:t>
+            </a:r>
+            <a:r>
+              <a:rPr lang="en-US" dirty="0" smtClean="0"/>
+              <a:t> or mac. Please open terminal in that location where .</a:t>
+            </a:r>
+            <a:r>
+              <a:rPr lang="en-US" dirty="0" err="1" smtClean="0"/>
+              <a:t>pem</a:t>
+            </a:r>
+            <a:r>
+              <a:rPr lang="en-US" dirty="0" smtClean="0"/>
+              <a:t> file present. </a:t>
+            </a:r>
+            <a:endParaRPr lang="en-US" dirty="0"/>
+          </a:p>
+        </p:txBody>
+      </p:sp>
+    </p:spTree>
+    <p:extLst>
+      <p:ext uri="{BB962C8B-B14F-4D97-AF65-F5344CB8AC3E}">
+        <p14:creationId xmlns:p14="http://schemas.microsoft.com/office/powerpoint/2010/main" val="1526852271"/>
+      </p:ext>
+    </p:extLst>
+  </p:cSld>
+  <p:clrMapOvr>
+    <a:masterClrMapping/>
+  </p:clrMapOvr>
+</p:sld>
+</file>
+
+<file path=ppt/slides/slide19.xml><?xml version="1.0" encoding="utf-8"?>
+<p:sld xmlns:a="http://schemas.openxmlformats.org/drawingml/2006/main" xmlns:r="http://schemas.openxmlformats.org/officeDocument/2006/relationships" xmlns:p="http://schemas.openxmlformats.org/presentationml/2006/main">
+  <p:cSld>
+    <p:spTree>
+      <p:nvGrpSpPr>
+        <p:cNvPr id="1" name=""/>
+        <p:cNvGrpSpPr/>
+        <p:nvPr/>
+      </p:nvGrpSpPr>
+      <p:grpSpPr>
+        <a:xfrm>
+          <a:off x="0" y="0"/>
+          <a:ext cx="0" cy="0"/>
+          <a:chOff x="0" y="0"/>
+          <a:chExt cx="0" cy="0"/>
+        </a:xfrm>
+      </p:grpSpPr>
+      <p:sp>
+        <p:nvSpPr>
+          <p:cNvPr id="2" name="Title 1"/>
+          <p:cNvSpPr>
+            <a:spLocks noGrp="1"/>
+          </p:cNvSpPr>
+          <p:nvPr>
+            <p:ph type="title"/>
+          </p:nvPr>
+        </p:nvSpPr>
+        <p:spPr/>
+        <p:txBody>
+          <a:bodyPr/>
+          <a:lstStyle/>
+          <a:p>
+            <a:r>
+              <a:rPr lang="en-US" dirty="0" smtClean="0"/>
+              <a:t>My file present in desktop so I have point to desktop using </a:t>
+            </a:r>
+            <a:r>
+              <a:rPr lang="en-US" dirty="0" err="1" smtClean="0"/>
+              <a:t>gitbash</a:t>
+            </a:r>
+            <a:r>
+              <a:rPr lang="en-US" dirty="0" smtClean="0"/>
+              <a:t> </a:t>
+            </a:r>
+            <a:endParaRPr lang="en-US" dirty="0"/>
+          </a:p>
+        </p:txBody>
+      </p:sp>
+      <p:pic>
+        <p:nvPicPr>
+          <p:cNvPr id="4" name="Content Placeholder 3"/>
+          <p:cNvPicPr>
+            <a:picLocks noGrp="1" noChangeAspect="1"/>
+          </p:cNvPicPr>
+          <p:nvPr>
+            <p:ph idx="1"/>
+          </p:nvPr>
+        </p:nvPicPr>
+        <p:blipFill>
+          <a:blip r:embed="rId2"/>
+          <a:stretch>
+            <a:fillRect/>
+          </a:stretch>
+        </p:blipFill>
+        <p:spPr>
+          <a:xfrm>
+            <a:off x="1939345" y="1825625"/>
+            <a:ext cx="8313309" cy="4351338"/>
+          </a:xfrm>
+          <a:prstGeom prst="rect">
+            <a:avLst/>
+          </a:prstGeom>
+        </p:spPr>
+      </p:pic>
+    </p:spTree>
+    <p:extLst>
+      <p:ext uri="{BB962C8B-B14F-4D97-AF65-F5344CB8AC3E}">
+        <p14:creationId xmlns:p14="http://schemas.microsoft.com/office/powerpoint/2010/main" val="3146440300"/>
       </p:ext>
     </p:extLst>
   </p:cSld>
@@ -3077,107 +4008,46 @@
           <a:p>
             <a:r>
               <a:rPr lang="en-US" dirty="0" smtClean="0"/>
-              <a:t>Node JS</a:t>
-            </a:r>
-            <a:r>
-              <a:rPr lang="en-US" dirty="0" smtClean="0"/>
-              <a:t> </a:t>
+              <a:t>Now we do the login for </a:t>
+            </a:r>
+            <a:r>
+              <a:rPr lang="en-US" dirty="0" err="1" smtClean="0"/>
+              <a:t>aws</a:t>
             </a:r>
             <a:endParaRPr lang="en-US" dirty="0"/>
           </a:p>
         </p:txBody>
       </p:sp>
-      <p:sp>
-        <p:nvSpPr>
-          <p:cNvPr id="3" name="Content Placeholder 2"/>
-          <p:cNvSpPr>
-            <a:spLocks noGrp="1"/>
-          </p:cNvSpPr>
+      <p:pic>
+        <p:nvPicPr>
+          <p:cNvPr id="4" name="Content Placeholder 3"/>
+          <p:cNvPicPr>
+            <a:picLocks noGrp="1" noChangeAspect="1"/>
+          </p:cNvPicPr>
           <p:nvPr>
             <p:ph idx="1"/>
           </p:nvPr>
-        </p:nvSpPr>
-        <p:spPr/>
-        <p:txBody>
-          <a:bodyPr>
-            <a:normAutofit fontScale="92500"/>
-          </a:bodyPr>
-          <a:lstStyle/>
-          <a:p>
-            <a:r>
-              <a:rPr lang="en-US" dirty="0" smtClean="0"/>
-              <a:t>Node JS is a run time environment for JavaScript library and framework. </a:t>
-            </a:r>
-            <a:endParaRPr lang="en-US" dirty="0" smtClean="0"/>
-          </a:p>
-          <a:p>
-            <a:r>
-              <a:rPr lang="en-US" dirty="0" smtClean="0"/>
-              <a:t>Before node </a:t>
-            </a:r>
-            <a:r>
-              <a:rPr lang="en-US" dirty="0" err="1" smtClean="0"/>
-              <a:t>js</a:t>
-            </a:r>
-            <a:r>
-              <a:rPr lang="en-US" dirty="0" smtClean="0"/>
-              <a:t> JavaScript is known as Client side scripting language.</a:t>
-            </a:r>
-          </a:p>
-          <a:p>
-            <a:r>
-              <a:rPr lang="en-US" dirty="0" smtClean="0"/>
-              <a:t>But after node </a:t>
-            </a:r>
-            <a:r>
-              <a:rPr lang="en-US" dirty="0" err="1" smtClean="0"/>
-              <a:t>js</a:t>
-            </a:r>
-            <a:r>
-              <a:rPr lang="en-US" dirty="0" smtClean="0"/>
-              <a:t> JavaScript also known as Client side as well as server side scripting language. </a:t>
-            </a:r>
-          </a:p>
-          <a:p>
-            <a:r>
-              <a:rPr lang="en-US" dirty="0" smtClean="0"/>
-              <a:t>Node JS provided lot of pre module which help to create the server side application. </a:t>
-            </a:r>
-          </a:p>
-          <a:p>
-            <a:r>
-              <a:rPr lang="en-US" dirty="0" smtClean="0"/>
-              <a:t>Node JS Modules divided into </a:t>
-            </a:r>
-          </a:p>
-          <a:p>
-            <a:pPr lvl="1"/>
-            <a:r>
-              <a:rPr lang="en-US" dirty="0" smtClean="0"/>
-              <a:t>Core module </a:t>
-            </a:r>
-          </a:p>
-          <a:p>
-            <a:pPr lvl="1"/>
-            <a:r>
-              <a:rPr lang="en-US" dirty="0" smtClean="0"/>
-              <a:t>User defined module </a:t>
-            </a:r>
-          </a:p>
-          <a:p>
-            <a:pPr lvl="1"/>
-            <a:r>
-              <a:rPr lang="en-US" dirty="0" smtClean="0"/>
-              <a:t>External module </a:t>
-            </a:r>
-            <a:endParaRPr lang="en-US" dirty="0" smtClean="0"/>
-          </a:p>
-        </p:txBody>
-      </p:sp>
+        </p:nvPicPr>
+        <p:blipFill>
+          <a:blip r:embed="rId2"/>
+          <a:stretch>
+            <a:fillRect/>
+          </a:stretch>
+        </p:blipFill>
+        <p:spPr>
+          <a:xfrm>
+            <a:off x="3096610" y="1825625"/>
+            <a:ext cx="5998779" cy="4351338"/>
+          </a:xfrm>
+          <a:prstGeom prst="rect">
+            <a:avLst/>
+          </a:prstGeom>
+        </p:spPr>
+      </p:pic>
     </p:spTree>
     <p:extLst>
       <p:ext uri="{BB962C8B-B14F-4D97-AF65-F5344CB8AC3E}">
-        <p14:creationId xmlns:p14="http://schemas.microsoft.com/office/powerpoint/2010/main" val="3664739219"/>
+        <p14:creationId xmlns:p14="http://schemas.microsoft.com/office/powerpoint/2010/main" val="993567084"/>
       </p:ext>
     </p:extLst>
   </p:cSld>
@@ -3221,15 +4091,7 @@
           <a:p>
             <a:r>
               <a:rPr lang="en-US" dirty="0" smtClean="0"/>
-              <a:t>Installation of node </a:t>
-            </a:r>
-            <a:r>
-              <a:rPr lang="en-US" dirty="0" err="1" smtClean="0"/>
-              <a:t>js</a:t>
-            </a:r>
-            <a:r>
-              <a:rPr lang="en-US" dirty="0" smtClean="0"/>
-              <a:t> </a:t>
+              <a:t>In Search bar search EC2 instance </a:t>
             </a:r>
             <a:endParaRPr lang="en-US" dirty="0"/>
           </a:p>
@@ -3253,8 +4115,8 @@
         </p:blipFill>
         <p:spPr>
           <a:xfrm>
-            <a:off x="1699251" y="1690688"/>
-            <a:ext cx="7057062" cy="4351338"/>
+            <a:off x="3080073" y="1825625"/>
+            <a:ext cx="6031854" cy="4351338"/>
           </a:xfrm>
           <a:prstGeom prst="rect">
             <a:avLst/>
@@ -3264,7 +4126,7 @@
     </p:spTree>
     <p:extLst>
       <p:ext uri="{BB962C8B-B14F-4D97-AF65-F5344CB8AC3E}">
-        <p14:creationId xmlns:p14="http://schemas.microsoft.com/office/powerpoint/2010/main" val="3546111040"/>
+        <p14:creationId xmlns:p14="http://schemas.microsoft.com/office/powerpoint/2010/main" val="3782183756"/>
       </p:ext>
     </p:extLst>
   </p:cSld>
@@ -3306,19 +4168,7 @@
           <a:bodyPr/>
           <a:lstStyle/>
           <a:p>
-            <a:r>
-              <a:rPr lang="en-US" dirty="0" smtClean="0"/>
-              <a:t>To verify node version and </a:t>
-            </a:r>
-            <a:r>
-              <a:rPr lang="en-US" dirty="0" err="1" smtClean="0"/>
-              <a:t>npm</a:t>
-            </a:r>
-            <a:r>
-              <a:rPr lang="en-US" dirty="0" smtClean="0"/>
-              <a:t> version </a:t>
-            </a:r>
-            <a:endParaRPr lang="en-US" dirty="0"/>
+            <a:endParaRPr lang="en-US"/>
           </a:p>
         </p:txBody>
       </p:sp>
@@ -3340,8 +4190,8 @@
         </p:blipFill>
         <p:spPr>
           <a:xfrm>
-            <a:off x="3264924" y="2660058"/>
-            <a:ext cx="5662151" cy="2682472"/>
+            <a:off x="1918816" y="1825625"/>
+            <a:ext cx="8354367" cy="4351338"/>
           </a:xfrm>
           <a:prstGeom prst="rect">
             <a:avLst/>
@@ -3351,7 +4201,7 @@
     </p:spTree>
     <p:extLst>
       <p:ext uri="{BB962C8B-B14F-4D97-AF65-F5344CB8AC3E}">
-        <p14:creationId xmlns:p14="http://schemas.microsoft.com/office/powerpoint/2010/main" val="1742601128"/>
+        <p14:creationId xmlns:p14="http://schemas.microsoft.com/office/powerpoint/2010/main" val="2451312573"/>
       </p:ext>
     </p:extLst>
   </p:cSld>
@@ -3394,60 +4244,8 @@
           <a:lstStyle/>
           <a:p>
             <a:r>
-              <a:rPr lang="en-US" dirty="0" err="1" smtClean="0"/>
-              <a:t>Json</a:t>
-            </a:r>
-            <a:r>
               <a:rPr lang="en-US" dirty="0" smtClean="0"/>
-              <a:t>-server </a:t>
-            </a:r>
-            <a:endParaRPr lang="en-US" dirty="0"/>
-          </a:p>
-        </p:txBody>
-      </p:sp>
-      <p:sp>
-        <p:nvSpPr>
-          <p:cNvPr id="3" name="Content Placeholder 2"/>
-          <p:cNvSpPr>
-            <a:spLocks noGrp="1"/>
-          </p:cNvSpPr>
-          <p:nvPr>
-            <p:ph idx="1"/>
-          </p:nvPr>
-        </p:nvSpPr>
-        <p:spPr/>
-        <p:txBody>
-          <a:bodyPr/>
-          <a:lstStyle/>
-          <a:p>
-            <a:r>
-              <a:rPr lang="en-US" dirty="0" err="1"/>
-              <a:t>j</a:t>
-            </a:r>
-            <a:r>
-              <a:rPr lang="en-US" dirty="0" err="1" smtClean="0"/>
-              <a:t>son</a:t>
-            </a:r>
-            <a:r>
-              <a:rPr lang="en-US" dirty="0" smtClean="0"/>
-              <a:t>-sever : it is external modules which help to make </a:t>
-            </a:r>
-            <a:r>
-              <a:rPr lang="en-US" dirty="0" err="1" smtClean="0"/>
-              <a:t>json</a:t>
-            </a:r>
-            <a:r>
-              <a:rPr lang="en-US" dirty="0" smtClean="0"/>
-              <a:t> static file as a server with default port number 3000. </a:t>
-            </a:r>
-          </a:p>
-          <a:p>
-            <a:pPr marL="0" indent="0">
-              <a:buNone/>
-            </a:pPr>
-            <a:r>
-              <a:rPr lang="en-US" dirty="0" smtClean="0"/>
-              <a:t> </a:t>
+              <a:t>Now you have to click on launch button </a:t>
             </a:r>
             <a:endParaRPr lang="en-US" dirty="0"/>
           </a:p>
@@ -3455,11 +4253,13 @@
       </p:sp>
       <p:pic>
         <p:nvPicPr>
-          <p:cNvPr id="4" name="Picture 3"/>
+          <p:cNvPr id="4" name="Content Placeholder 3"/>
           <p:cNvPicPr>
-            <a:picLocks noChangeAspect="1"/>
+            <a:picLocks noGrp="1" noChangeAspect="1"/>
           </p:cNvPicPr>
-          <p:nvPr/>
+          <p:nvPr>
+            <p:ph idx="1"/>
+          </p:nvPr>
         </p:nvPicPr>
         <p:blipFill>
           <a:blip r:embed="rId2"/>
@@ -3469,8 +4269,8 @@
         </p:blipFill>
         <p:spPr>
           <a:xfrm>
-            <a:off x="3078487" y="3443557"/>
-            <a:ext cx="5166808" cy="2446232"/>
+            <a:off x="1918816" y="1825625"/>
+            <a:ext cx="8354367" cy="4351338"/>
           </a:xfrm>
           <a:prstGeom prst="rect">
             <a:avLst/>
@@ -3480,7 +4280,7 @@
     </p:spTree>
     <p:extLst>
       <p:ext uri="{BB962C8B-B14F-4D97-AF65-F5344CB8AC3E}">
-        <p14:creationId xmlns:p14="http://schemas.microsoft.com/office/powerpoint/2010/main" val="609765183"/>
+        <p14:creationId xmlns:p14="http://schemas.microsoft.com/office/powerpoint/2010/main" val="3024530808"/>
       </p:ext>
     </p:extLst>
   </p:cSld>
@@ -3524,23 +4324,7 @@
           <a:p>
             <a:r>
               <a:rPr lang="en-US" dirty="0" smtClean="0"/>
-              <a:t>Sample </a:t>
-            </a:r>
-            <a:r>
-              <a:rPr lang="en-US" dirty="0" err="1" smtClean="0"/>
-              <a:t>json</a:t>
-            </a:r>
-            <a:r>
-              <a:rPr lang="en-US" dirty="0" smtClean="0"/>
-              <a:t> file </a:t>
-            </a:r>
-            <a:r>
-              <a:rPr lang="en-US" dirty="0" err="1" smtClean="0"/>
-              <a:t>bankdb.json</a:t>
-            </a:r>
-            <a:r>
-              <a:rPr lang="en-US" dirty="0" smtClean="0"/>
-              <a:t> </a:t>
+              <a:t>Instance name can be anything :phase2-instance </a:t>
             </a:r>
             <a:endParaRPr lang="en-US" dirty="0"/>
           </a:p>
@@ -3548,7 +4332,7 @@
       </p:sp>
       <p:pic>
         <p:nvPicPr>
-          <p:cNvPr id="6" name="Content Placeholder 5"/>
+          <p:cNvPr id="5" name="Content Placeholder 4"/>
           <p:cNvPicPr>
             <a:picLocks noGrp="1" noChangeAspect="1"/>
           </p:cNvPicPr>
@@ -3564,8 +4348,8 @@
         </p:blipFill>
         <p:spPr>
           <a:xfrm>
-            <a:off x="1403928" y="1825625"/>
-            <a:ext cx="7487940" cy="4351338"/>
+            <a:off x="3038303" y="1825625"/>
+            <a:ext cx="6115393" cy="4351338"/>
           </a:xfrm>
           <a:prstGeom prst="rect">
             <a:avLst/>
@@ -3575,7 +4359,7 @@
     </p:spTree>
     <p:extLst>
       <p:ext uri="{BB962C8B-B14F-4D97-AF65-F5344CB8AC3E}">
-        <p14:creationId xmlns:p14="http://schemas.microsoft.com/office/powerpoint/2010/main" val="2420966040"/>
+        <p14:creationId xmlns:p14="http://schemas.microsoft.com/office/powerpoint/2010/main" val="850078726"/>
       </p:ext>
     </p:extLst>
   </p:cSld>
@@ -3619,23 +4403,7 @@
           <a:p>
             <a:r>
               <a:rPr lang="en-US" dirty="0" smtClean="0"/>
-              <a:t>After running </a:t>
-            </a:r>
-            <a:r>
-              <a:rPr lang="en-US" dirty="0" err="1" smtClean="0"/>
-              <a:t>json</a:t>
-            </a:r>
-            <a:r>
-              <a:rPr lang="en-US" dirty="0" smtClean="0"/>
-              <a:t> file using </a:t>
-            </a:r>
-            <a:r>
-              <a:rPr lang="en-US" dirty="0" err="1" smtClean="0"/>
-              <a:t>json</a:t>
-            </a:r>
-            <a:r>
-              <a:rPr lang="en-US" dirty="0" smtClean="0"/>
-              <a:t>-server </a:t>
+              <a:t>No changes – default option </a:t>
             </a:r>
             <a:endParaRPr lang="en-US" dirty="0"/>
           </a:p>
@@ -3659,8 +4427,8 @@
         </p:blipFill>
         <p:spPr>
           <a:xfrm>
-            <a:off x="838200" y="2389312"/>
-            <a:ext cx="10515600" cy="3223964"/>
+            <a:off x="2634565" y="1825625"/>
+            <a:ext cx="6922870" cy="4351338"/>
           </a:xfrm>
           <a:prstGeom prst="rect">
             <a:avLst/>
@@ -3670,7 +4438,7 @@
     </p:spTree>
     <p:extLst>
       <p:ext uri="{BB962C8B-B14F-4D97-AF65-F5344CB8AC3E}">
-        <p14:creationId xmlns:p14="http://schemas.microsoft.com/office/powerpoint/2010/main" val="2819882296"/>
+        <p14:creationId xmlns:p14="http://schemas.microsoft.com/office/powerpoint/2010/main" val="2969958302"/>
       </p:ext>
     </p:extLst>
   </p:cSld>
@@ -3714,7 +4482,7 @@
           <a:p>
             <a:r>
               <a:rPr lang="en-US" dirty="0" smtClean="0"/>
-              <a:t>Verifying browser </a:t>
+              <a:t>Instance type – free tier (don’t change)</a:t>
             </a:r>
             <a:endParaRPr lang="en-US" dirty="0"/>
           </a:p>
@@ -3738,8 +4506,8 @@
         </p:blipFill>
         <p:spPr>
           <a:xfrm>
-            <a:off x="2868650" y="2240921"/>
-            <a:ext cx="6454699" cy="3520745"/>
+            <a:off x="2499781" y="1825625"/>
+            <a:ext cx="7192437" cy="4351338"/>
           </a:xfrm>
           <a:prstGeom prst="rect">
             <a:avLst/>
@@ -3749,7 +4517,86 @@
     </p:spTree>
     <p:extLst>
       <p:ext uri="{BB962C8B-B14F-4D97-AF65-F5344CB8AC3E}">
-        <p14:creationId xmlns:p14="http://schemas.microsoft.com/office/powerpoint/2010/main" val="3739818708"/>
+        <p14:creationId xmlns:p14="http://schemas.microsoft.com/office/powerpoint/2010/main" val="1032247593"/>
+      </p:ext>
+    </p:extLst>
+  </p:cSld>
+  <p:clrMapOvr>
+    <a:masterClrMapping/>
+  </p:clrMapOvr>
+</p:sld>
+</file>
+
+<file path=ppt/slides/slide9.xml><?xml version="1.0" encoding="utf-8"?>
+<p:sld xmlns:a="http://schemas.openxmlformats.org/drawingml/2006/main" xmlns:r="http://schemas.openxmlformats.org/officeDocument/2006/relationships" xmlns:p="http://schemas.openxmlformats.org/presentationml/2006/main">
+  <p:cSld>
+    <p:spTree>
+      <p:nvGrpSpPr>
+        <p:cNvPr id="1" name=""/>
+        <p:cNvGrpSpPr/>
+        <p:nvPr/>
+      </p:nvGrpSpPr>
+      <p:grpSpPr>
+        <a:xfrm>
+          <a:off x="0" y="0"/>
+          <a:ext cx="0" cy="0"/>
+          <a:chOff x="0" y="0"/>
+          <a:chExt cx="0" cy="0"/>
+        </a:xfrm>
+      </p:grpSpPr>
+      <p:sp>
+        <p:nvSpPr>
+          <p:cNvPr id="2" name="Title 1"/>
+          <p:cNvSpPr>
+            <a:spLocks noGrp="1"/>
+          </p:cNvSpPr>
+          <p:nvPr>
+            <p:ph type="title"/>
+          </p:nvPr>
+        </p:nvSpPr>
+        <p:spPr/>
+        <p:txBody>
+          <a:bodyPr/>
+          <a:lstStyle/>
+          <a:p>
+            <a:r>
+              <a:rPr lang="en-US" dirty="0" smtClean="0"/>
+              <a:t>Click on create key </a:t>
+            </a:r>
+            <a:endParaRPr lang="en-US" dirty="0"/>
+          </a:p>
+        </p:txBody>
+      </p:sp>
+      <p:pic>
+        <p:nvPicPr>
+          <p:cNvPr id="6" name="Content Placeholder 5"/>
+          <p:cNvPicPr>
+            <a:picLocks noGrp="1" noChangeAspect="1"/>
+          </p:cNvPicPr>
+          <p:nvPr>
+            <p:ph idx="1"/>
+          </p:nvPr>
+        </p:nvPicPr>
+        <p:blipFill>
+          <a:blip r:embed="rId2"/>
+          <a:stretch>
+            <a:fillRect/>
+          </a:stretch>
+        </p:blipFill>
+        <p:spPr>
+          <a:xfrm>
+            <a:off x="2199704" y="1825625"/>
+            <a:ext cx="7792592" cy="4351338"/>
+          </a:xfrm>
+          <a:prstGeom prst="rect">
+            <a:avLst/>
+          </a:prstGeom>
+        </p:spPr>
+      </p:pic>
+    </p:spTree>
+    <p:extLst>
+      <p:ext uri="{BB962C8B-B14F-4D97-AF65-F5344CB8AC3E}">
+        <p14:creationId xmlns:p14="http://schemas.microsoft.com/office/powerpoint/2010/main" val="898318590"/>
       </p:ext>
     </p:extLst>
   </p:cSld>
